--- a/ppt 16-9/0472.流泪撒种.pptx
+++ b/ppt 16-9/0472.流泪撒种.pptx
@@ -5,7 +5,7 @@
     <p:sldMasterId id="2147483648" r:id="rId1"/>
   </p:sldMasterIdLst>
   <p:sldIdLst>
-    <p:sldId id="2974" r:id="rId2"/>
+    <p:sldId id="2976" r:id="rId2"/>
   </p:sldIdLst>
   <p:sldSz cx="12192000" cy="6858000"/>
   <p:notesSz cx="6858000" cy="9144000"/>
@@ -129,7 +129,7 @@
           <p:cNvPr id="2" name="标题 1">
             <a:extLst>
               <a:ext uri="{FF2B5EF4-FFF2-40B4-BE49-F238E27FC236}">
-                <a16:creationId xmlns:a16="http://schemas.microsoft.com/office/drawing/2014/main" id="{E44F7B63-6F80-F3C4-BD79-C1DEA3DC7DAC}"/>
+                <a16:creationId xmlns:a16="http://schemas.microsoft.com/office/drawing/2014/main" id="{4B941356-7253-2709-A355-9A3739E24006}"/>
               </a:ext>
             </a:extLst>
           </p:cNvPr>
@@ -166,7 +166,7 @@
           <p:cNvPr id="3" name="副标题 2">
             <a:extLst>
               <a:ext uri="{FF2B5EF4-FFF2-40B4-BE49-F238E27FC236}">
-                <a16:creationId xmlns:a16="http://schemas.microsoft.com/office/drawing/2014/main" id="{42CEE132-02B8-1EB3-3A85-F67E594BBD23}"/>
+                <a16:creationId xmlns:a16="http://schemas.microsoft.com/office/drawing/2014/main" id="{6DED371F-631E-E0C1-F11D-A15AC73E9B66}"/>
               </a:ext>
             </a:extLst>
           </p:cNvPr>
@@ -236,7 +236,7 @@
           <p:cNvPr id="4" name="日期占位符 3">
             <a:extLst>
               <a:ext uri="{FF2B5EF4-FFF2-40B4-BE49-F238E27FC236}">
-                <a16:creationId xmlns:a16="http://schemas.microsoft.com/office/drawing/2014/main" id="{B5A46A30-6940-34DF-98FF-A414E613095A}"/>
+                <a16:creationId xmlns:a16="http://schemas.microsoft.com/office/drawing/2014/main" id="{F3B6C0CB-1DC6-D501-EC8C-319D2F51883D}"/>
               </a:ext>
             </a:extLst>
           </p:cNvPr>
@@ -252,7 +252,7 @@
           <a:bodyPr/>
           <a:lstStyle/>
           <a:p>
-            <a:fld id="{B5B77BF2-6E62-46DB-98C7-2932EBD1B612}" type="datetimeFigureOut">
+            <a:fld id="{DC325390-8F35-40E1-B127-E124FED6A90F}" type="datetimeFigureOut">
               <a:rPr lang="zh-CN" altLang="en-US" smtClean="0"/>
               <a:t>2024/3/10</a:t>
             </a:fld>
@@ -265,7 +265,7 @@
           <p:cNvPr id="5" name="页脚占位符 4">
             <a:extLst>
               <a:ext uri="{FF2B5EF4-FFF2-40B4-BE49-F238E27FC236}">
-                <a16:creationId xmlns:a16="http://schemas.microsoft.com/office/drawing/2014/main" id="{02F12CEA-A7F5-E121-7B70-D18145E848F2}"/>
+                <a16:creationId xmlns:a16="http://schemas.microsoft.com/office/drawing/2014/main" id="{D08A8EC0-11E0-E721-2216-80EAC5AD95B3}"/>
               </a:ext>
             </a:extLst>
           </p:cNvPr>
@@ -290,7 +290,7 @@
           <p:cNvPr id="6" name="灯片编号占位符 5">
             <a:extLst>
               <a:ext uri="{FF2B5EF4-FFF2-40B4-BE49-F238E27FC236}">
-                <a16:creationId xmlns:a16="http://schemas.microsoft.com/office/drawing/2014/main" id="{EA45BF43-4ED8-B726-C63A-05E6733D3D53}"/>
+                <a16:creationId xmlns:a16="http://schemas.microsoft.com/office/drawing/2014/main" id="{B1380A9C-CD93-134C-7885-E3721F09AB7F}"/>
               </a:ext>
             </a:extLst>
           </p:cNvPr>
@@ -306,7 +306,7 @@
           <a:bodyPr/>
           <a:lstStyle/>
           <a:p>
-            <a:fld id="{C6E3780A-7A8B-4F0A-94DE-683BCA1FC064}" type="slidenum">
+            <a:fld id="{26D9F796-C4F7-47B8-B14F-B895A2F740FF}" type="slidenum">
               <a:rPr lang="zh-CN" altLang="en-US" smtClean="0"/>
               <a:t>‹#›</a:t>
             </a:fld>
@@ -317,7 +317,7 @@
     </p:spTree>
     <p:extLst>
       <p:ext uri="{BB962C8B-B14F-4D97-AF65-F5344CB8AC3E}">
-        <p14:creationId xmlns:p14="http://schemas.microsoft.com/office/powerpoint/2010/main" val="635238600"/>
+        <p14:creationId xmlns:p14="http://schemas.microsoft.com/office/powerpoint/2010/main" val="3296221540"/>
       </p:ext>
     </p:extLst>
   </p:cSld>
@@ -349,7 +349,7 @@
           <p:cNvPr id="2" name="标题 1">
             <a:extLst>
               <a:ext uri="{FF2B5EF4-FFF2-40B4-BE49-F238E27FC236}">
-                <a16:creationId xmlns:a16="http://schemas.microsoft.com/office/drawing/2014/main" id="{961B2107-2A2D-5A6B-8CD0-CC0EA7DA8222}"/>
+                <a16:creationId xmlns:a16="http://schemas.microsoft.com/office/drawing/2014/main" id="{32AFD232-518A-3AEA-90A4-F5009FB9BA93}"/>
               </a:ext>
             </a:extLst>
           </p:cNvPr>
@@ -377,7 +377,7 @@
           <p:cNvPr id="3" name="竖排文字占位符 2">
             <a:extLst>
               <a:ext uri="{FF2B5EF4-FFF2-40B4-BE49-F238E27FC236}">
-                <a16:creationId xmlns:a16="http://schemas.microsoft.com/office/drawing/2014/main" id="{530D658D-F5E5-364D-3CB6-739CEBEB2E31}"/>
+                <a16:creationId xmlns:a16="http://schemas.microsoft.com/office/drawing/2014/main" id="{FF679D1C-A0D0-A825-FAEA-B85B8CAD5980}"/>
               </a:ext>
             </a:extLst>
           </p:cNvPr>
@@ -434,7 +434,7 @@
           <p:cNvPr id="4" name="日期占位符 3">
             <a:extLst>
               <a:ext uri="{FF2B5EF4-FFF2-40B4-BE49-F238E27FC236}">
-                <a16:creationId xmlns:a16="http://schemas.microsoft.com/office/drawing/2014/main" id="{015241DC-D1D4-267A-46F3-AF7A58A05CEF}"/>
+                <a16:creationId xmlns:a16="http://schemas.microsoft.com/office/drawing/2014/main" id="{77F4B8FE-F230-A0F8-0346-D20311FF58B4}"/>
               </a:ext>
             </a:extLst>
           </p:cNvPr>
@@ -450,7 +450,7 @@
           <a:bodyPr/>
           <a:lstStyle/>
           <a:p>
-            <a:fld id="{B5B77BF2-6E62-46DB-98C7-2932EBD1B612}" type="datetimeFigureOut">
+            <a:fld id="{DC325390-8F35-40E1-B127-E124FED6A90F}" type="datetimeFigureOut">
               <a:rPr lang="zh-CN" altLang="en-US" smtClean="0"/>
               <a:t>2024/3/10</a:t>
             </a:fld>
@@ -463,7 +463,7 @@
           <p:cNvPr id="5" name="页脚占位符 4">
             <a:extLst>
               <a:ext uri="{FF2B5EF4-FFF2-40B4-BE49-F238E27FC236}">
-                <a16:creationId xmlns:a16="http://schemas.microsoft.com/office/drawing/2014/main" id="{23D999C5-2DD5-AC55-4721-486652A43704}"/>
+                <a16:creationId xmlns:a16="http://schemas.microsoft.com/office/drawing/2014/main" id="{7398D3F9-D8EA-3467-1466-B3D84E639285}"/>
               </a:ext>
             </a:extLst>
           </p:cNvPr>
@@ -488,7 +488,7 @@
           <p:cNvPr id="6" name="灯片编号占位符 5">
             <a:extLst>
               <a:ext uri="{FF2B5EF4-FFF2-40B4-BE49-F238E27FC236}">
-                <a16:creationId xmlns:a16="http://schemas.microsoft.com/office/drawing/2014/main" id="{EB0B0D89-6D05-282E-39F6-E17EEA8BFBF4}"/>
+                <a16:creationId xmlns:a16="http://schemas.microsoft.com/office/drawing/2014/main" id="{3FCFDED2-DC35-8524-2D0D-36A1ABDA30B2}"/>
               </a:ext>
             </a:extLst>
           </p:cNvPr>
@@ -504,7 +504,7 @@
           <a:bodyPr/>
           <a:lstStyle/>
           <a:p>
-            <a:fld id="{C6E3780A-7A8B-4F0A-94DE-683BCA1FC064}" type="slidenum">
+            <a:fld id="{26D9F796-C4F7-47B8-B14F-B895A2F740FF}" type="slidenum">
               <a:rPr lang="zh-CN" altLang="en-US" smtClean="0"/>
               <a:t>‹#›</a:t>
             </a:fld>
@@ -515,7 +515,7 @@
     </p:spTree>
     <p:extLst>
       <p:ext uri="{BB962C8B-B14F-4D97-AF65-F5344CB8AC3E}">
-        <p14:creationId xmlns:p14="http://schemas.microsoft.com/office/powerpoint/2010/main" val="53020689"/>
+        <p14:creationId xmlns:p14="http://schemas.microsoft.com/office/powerpoint/2010/main" val="2588585568"/>
       </p:ext>
     </p:extLst>
   </p:cSld>
@@ -547,7 +547,7 @@
           <p:cNvPr id="2" name="竖排标题 1">
             <a:extLst>
               <a:ext uri="{FF2B5EF4-FFF2-40B4-BE49-F238E27FC236}">
-                <a16:creationId xmlns:a16="http://schemas.microsoft.com/office/drawing/2014/main" id="{CAEE2205-4B75-AE94-DC5D-B2D5EF6A8E60}"/>
+                <a16:creationId xmlns:a16="http://schemas.microsoft.com/office/drawing/2014/main" id="{F18E57AC-3CA6-FAEA-33F0-3D444EE5F440}"/>
               </a:ext>
             </a:extLst>
           </p:cNvPr>
@@ -580,7 +580,7 @@
           <p:cNvPr id="3" name="竖排文字占位符 2">
             <a:extLst>
               <a:ext uri="{FF2B5EF4-FFF2-40B4-BE49-F238E27FC236}">
-                <a16:creationId xmlns:a16="http://schemas.microsoft.com/office/drawing/2014/main" id="{A132D862-C99B-A2CA-BB2F-CFC0D5599C7D}"/>
+                <a16:creationId xmlns:a16="http://schemas.microsoft.com/office/drawing/2014/main" id="{41B8B30F-6F58-BFA5-B9E0-E31338A464C0}"/>
               </a:ext>
             </a:extLst>
           </p:cNvPr>
@@ -642,7 +642,7 @@
           <p:cNvPr id="4" name="日期占位符 3">
             <a:extLst>
               <a:ext uri="{FF2B5EF4-FFF2-40B4-BE49-F238E27FC236}">
-                <a16:creationId xmlns:a16="http://schemas.microsoft.com/office/drawing/2014/main" id="{F4B5766C-7A97-A8AA-60B1-382530143C6C}"/>
+                <a16:creationId xmlns:a16="http://schemas.microsoft.com/office/drawing/2014/main" id="{0387FB9A-ECF8-7D24-4D74-7B9E99B1FD5A}"/>
               </a:ext>
             </a:extLst>
           </p:cNvPr>
@@ -658,7 +658,7 @@
           <a:bodyPr/>
           <a:lstStyle/>
           <a:p>
-            <a:fld id="{B5B77BF2-6E62-46DB-98C7-2932EBD1B612}" type="datetimeFigureOut">
+            <a:fld id="{DC325390-8F35-40E1-B127-E124FED6A90F}" type="datetimeFigureOut">
               <a:rPr lang="zh-CN" altLang="en-US" smtClean="0"/>
               <a:t>2024/3/10</a:t>
             </a:fld>
@@ -671,7 +671,7 @@
           <p:cNvPr id="5" name="页脚占位符 4">
             <a:extLst>
               <a:ext uri="{FF2B5EF4-FFF2-40B4-BE49-F238E27FC236}">
-                <a16:creationId xmlns:a16="http://schemas.microsoft.com/office/drawing/2014/main" id="{04C713A0-E41C-3C51-A302-B167E8095D79}"/>
+                <a16:creationId xmlns:a16="http://schemas.microsoft.com/office/drawing/2014/main" id="{6C95D181-7427-6A14-9A21-DF954178ECD8}"/>
               </a:ext>
             </a:extLst>
           </p:cNvPr>
@@ -696,7 +696,7 @@
           <p:cNvPr id="6" name="灯片编号占位符 5">
             <a:extLst>
               <a:ext uri="{FF2B5EF4-FFF2-40B4-BE49-F238E27FC236}">
-                <a16:creationId xmlns:a16="http://schemas.microsoft.com/office/drawing/2014/main" id="{55794391-4BD3-48FF-F619-EBCD2E8B75D2}"/>
+                <a16:creationId xmlns:a16="http://schemas.microsoft.com/office/drawing/2014/main" id="{5C2A831B-E1F0-06EF-DF99-FCD5AE22429D}"/>
               </a:ext>
             </a:extLst>
           </p:cNvPr>
@@ -712,7 +712,7 @@
           <a:bodyPr/>
           <a:lstStyle/>
           <a:p>
-            <a:fld id="{C6E3780A-7A8B-4F0A-94DE-683BCA1FC064}" type="slidenum">
+            <a:fld id="{26D9F796-C4F7-47B8-B14F-B895A2F740FF}" type="slidenum">
               <a:rPr lang="zh-CN" altLang="en-US" smtClean="0"/>
               <a:t>‹#›</a:t>
             </a:fld>
@@ -723,7 +723,7 @@
     </p:spTree>
     <p:extLst>
       <p:ext uri="{BB962C8B-B14F-4D97-AF65-F5344CB8AC3E}">
-        <p14:creationId xmlns:p14="http://schemas.microsoft.com/office/powerpoint/2010/main" val="1097401832"/>
+        <p14:creationId xmlns:p14="http://schemas.microsoft.com/office/powerpoint/2010/main" val="1961802212"/>
       </p:ext>
     </p:extLst>
   </p:cSld>
@@ -755,7 +755,7 @@
           <p:cNvPr id="2" name="标题 1">
             <a:extLst>
               <a:ext uri="{FF2B5EF4-FFF2-40B4-BE49-F238E27FC236}">
-                <a16:creationId xmlns:a16="http://schemas.microsoft.com/office/drawing/2014/main" id="{9F3E9C78-3869-A58D-ACA1-9913D3F476D0}"/>
+                <a16:creationId xmlns:a16="http://schemas.microsoft.com/office/drawing/2014/main" id="{CC630E8D-2B17-0242-CEA4-8F8980697B07}"/>
               </a:ext>
             </a:extLst>
           </p:cNvPr>
@@ -783,7 +783,7 @@
           <p:cNvPr id="3" name="内容占位符 2">
             <a:extLst>
               <a:ext uri="{FF2B5EF4-FFF2-40B4-BE49-F238E27FC236}">
-                <a16:creationId xmlns:a16="http://schemas.microsoft.com/office/drawing/2014/main" id="{FE53EF35-B79B-FE9F-44A9-997BB1982D74}"/>
+                <a16:creationId xmlns:a16="http://schemas.microsoft.com/office/drawing/2014/main" id="{ECDDFCA1-B3C5-1DC1-E826-EBE5A39BC4D8}"/>
               </a:ext>
             </a:extLst>
           </p:cNvPr>
@@ -840,7 +840,7 @@
           <p:cNvPr id="4" name="日期占位符 3">
             <a:extLst>
               <a:ext uri="{FF2B5EF4-FFF2-40B4-BE49-F238E27FC236}">
-                <a16:creationId xmlns:a16="http://schemas.microsoft.com/office/drawing/2014/main" id="{1954ED1A-E5E4-561F-CD30-D8C13E47D75F}"/>
+                <a16:creationId xmlns:a16="http://schemas.microsoft.com/office/drawing/2014/main" id="{C77B28A8-F548-9F52-0FD6-F19B9DF9AA9A}"/>
               </a:ext>
             </a:extLst>
           </p:cNvPr>
@@ -856,7 +856,7 @@
           <a:bodyPr/>
           <a:lstStyle/>
           <a:p>
-            <a:fld id="{B5B77BF2-6E62-46DB-98C7-2932EBD1B612}" type="datetimeFigureOut">
+            <a:fld id="{DC325390-8F35-40E1-B127-E124FED6A90F}" type="datetimeFigureOut">
               <a:rPr lang="zh-CN" altLang="en-US" smtClean="0"/>
               <a:t>2024/3/10</a:t>
             </a:fld>
@@ -869,7 +869,7 @@
           <p:cNvPr id="5" name="页脚占位符 4">
             <a:extLst>
               <a:ext uri="{FF2B5EF4-FFF2-40B4-BE49-F238E27FC236}">
-                <a16:creationId xmlns:a16="http://schemas.microsoft.com/office/drawing/2014/main" id="{89A43C51-B910-78D7-3D27-D840A54D4B72}"/>
+                <a16:creationId xmlns:a16="http://schemas.microsoft.com/office/drawing/2014/main" id="{BE7E1101-4C65-39C7-EE4C-B48EBB21A76A}"/>
               </a:ext>
             </a:extLst>
           </p:cNvPr>
@@ -894,7 +894,7 @@
           <p:cNvPr id="6" name="灯片编号占位符 5">
             <a:extLst>
               <a:ext uri="{FF2B5EF4-FFF2-40B4-BE49-F238E27FC236}">
-                <a16:creationId xmlns:a16="http://schemas.microsoft.com/office/drawing/2014/main" id="{F682E72D-88DF-8B30-FE59-1A1C5F9596A0}"/>
+                <a16:creationId xmlns:a16="http://schemas.microsoft.com/office/drawing/2014/main" id="{A11E8893-D481-8F21-3617-A7C11E95D107}"/>
               </a:ext>
             </a:extLst>
           </p:cNvPr>
@@ -910,7 +910,7 @@
           <a:bodyPr/>
           <a:lstStyle/>
           <a:p>
-            <a:fld id="{C6E3780A-7A8B-4F0A-94DE-683BCA1FC064}" type="slidenum">
+            <a:fld id="{26D9F796-C4F7-47B8-B14F-B895A2F740FF}" type="slidenum">
               <a:rPr lang="zh-CN" altLang="en-US" smtClean="0"/>
               <a:t>‹#›</a:t>
             </a:fld>
@@ -921,7 +921,7 @@
     </p:spTree>
     <p:extLst>
       <p:ext uri="{BB962C8B-B14F-4D97-AF65-F5344CB8AC3E}">
-        <p14:creationId xmlns:p14="http://schemas.microsoft.com/office/powerpoint/2010/main" val="834632723"/>
+        <p14:creationId xmlns:p14="http://schemas.microsoft.com/office/powerpoint/2010/main" val="2078046267"/>
       </p:ext>
     </p:extLst>
   </p:cSld>
@@ -953,7 +953,7 @@
           <p:cNvPr id="2" name="标题 1">
             <a:extLst>
               <a:ext uri="{FF2B5EF4-FFF2-40B4-BE49-F238E27FC236}">
-                <a16:creationId xmlns:a16="http://schemas.microsoft.com/office/drawing/2014/main" id="{E12EBC15-E3F2-FCF4-7A75-0F74260F5942}"/>
+                <a16:creationId xmlns:a16="http://schemas.microsoft.com/office/drawing/2014/main" id="{C7D5AD7B-8A42-3895-A921-453A74889F19}"/>
               </a:ext>
             </a:extLst>
           </p:cNvPr>
@@ -990,7 +990,7 @@
           <p:cNvPr id="3" name="文本占位符 2">
             <a:extLst>
               <a:ext uri="{FF2B5EF4-FFF2-40B4-BE49-F238E27FC236}">
-                <a16:creationId xmlns:a16="http://schemas.microsoft.com/office/drawing/2014/main" id="{40FDDF0D-D6BE-07E0-A93A-E66F966602F5}"/>
+                <a16:creationId xmlns:a16="http://schemas.microsoft.com/office/drawing/2014/main" id="{0CDF642A-9B4D-2F20-59D8-89F68D802500}"/>
               </a:ext>
             </a:extLst>
           </p:cNvPr>
@@ -1115,7 +1115,7 @@
           <p:cNvPr id="4" name="日期占位符 3">
             <a:extLst>
               <a:ext uri="{FF2B5EF4-FFF2-40B4-BE49-F238E27FC236}">
-                <a16:creationId xmlns:a16="http://schemas.microsoft.com/office/drawing/2014/main" id="{27AF8B06-CB88-0D1F-CB43-3F9C0D4643DA}"/>
+                <a16:creationId xmlns:a16="http://schemas.microsoft.com/office/drawing/2014/main" id="{20329476-8F8B-EC3B-82A7-7B654AEF5575}"/>
               </a:ext>
             </a:extLst>
           </p:cNvPr>
@@ -1131,7 +1131,7 @@
           <a:bodyPr/>
           <a:lstStyle/>
           <a:p>
-            <a:fld id="{B5B77BF2-6E62-46DB-98C7-2932EBD1B612}" type="datetimeFigureOut">
+            <a:fld id="{DC325390-8F35-40E1-B127-E124FED6A90F}" type="datetimeFigureOut">
               <a:rPr lang="zh-CN" altLang="en-US" smtClean="0"/>
               <a:t>2024/3/10</a:t>
             </a:fld>
@@ -1144,7 +1144,7 @@
           <p:cNvPr id="5" name="页脚占位符 4">
             <a:extLst>
               <a:ext uri="{FF2B5EF4-FFF2-40B4-BE49-F238E27FC236}">
-                <a16:creationId xmlns:a16="http://schemas.microsoft.com/office/drawing/2014/main" id="{84F5E3E0-BF00-849A-392C-26F0074FD641}"/>
+                <a16:creationId xmlns:a16="http://schemas.microsoft.com/office/drawing/2014/main" id="{2A120B8D-A298-B4E8-E690-95DF8C84C984}"/>
               </a:ext>
             </a:extLst>
           </p:cNvPr>
@@ -1169,7 +1169,7 @@
           <p:cNvPr id="6" name="灯片编号占位符 5">
             <a:extLst>
               <a:ext uri="{FF2B5EF4-FFF2-40B4-BE49-F238E27FC236}">
-                <a16:creationId xmlns:a16="http://schemas.microsoft.com/office/drawing/2014/main" id="{9E77C124-6938-DEA3-6DA6-C60AF19E08A0}"/>
+                <a16:creationId xmlns:a16="http://schemas.microsoft.com/office/drawing/2014/main" id="{114D3B64-1F47-B7B9-70EC-B250777A5C80}"/>
               </a:ext>
             </a:extLst>
           </p:cNvPr>
@@ -1185,7 +1185,7 @@
           <a:bodyPr/>
           <a:lstStyle/>
           <a:p>
-            <a:fld id="{C6E3780A-7A8B-4F0A-94DE-683BCA1FC064}" type="slidenum">
+            <a:fld id="{26D9F796-C4F7-47B8-B14F-B895A2F740FF}" type="slidenum">
               <a:rPr lang="zh-CN" altLang="en-US" smtClean="0"/>
               <a:t>‹#›</a:t>
             </a:fld>
@@ -1196,7 +1196,7 @@
     </p:spTree>
     <p:extLst>
       <p:ext uri="{BB962C8B-B14F-4D97-AF65-F5344CB8AC3E}">
-        <p14:creationId xmlns:p14="http://schemas.microsoft.com/office/powerpoint/2010/main" val="1640670611"/>
+        <p14:creationId xmlns:p14="http://schemas.microsoft.com/office/powerpoint/2010/main" val="1411598789"/>
       </p:ext>
     </p:extLst>
   </p:cSld>
@@ -1228,7 +1228,7 @@
           <p:cNvPr id="2" name="标题 1">
             <a:extLst>
               <a:ext uri="{FF2B5EF4-FFF2-40B4-BE49-F238E27FC236}">
-                <a16:creationId xmlns:a16="http://schemas.microsoft.com/office/drawing/2014/main" id="{B0619267-DF43-99EB-BE7E-B8C503789798}"/>
+                <a16:creationId xmlns:a16="http://schemas.microsoft.com/office/drawing/2014/main" id="{588E2108-658C-1FEE-2DBE-CF7B7D160D8B}"/>
               </a:ext>
             </a:extLst>
           </p:cNvPr>
@@ -1256,7 +1256,7 @@
           <p:cNvPr id="3" name="内容占位符 2">
             <a:extLst>
               <a:ext uri="{FF2B5EF4-FFF2-40B4-BE49-F238E27FC236}">
-                <a16:creationId xmlns:a16="http://schemas.microsoft.com/office/drawing/2014/main" id="{4F6DCF09-9315-E7A1-A5B1-70F4487C8F6B}"/>
+                <a16:creationId xmlns:a16="http://schemas.microsoft.com/office/drawing/2014/main" id="{8C1280F5-52D3-58D8-6B34-62CC23EA8E07}"/>
               </a:ext>
             </a:extLst>
           </p:cNvPr>
@@ -1318,7 +1318,7 @@
           <p:cNvPr id="4" name="内容占位符 3">
             <a:extLst>
               <a:ext uri="{FF2B5EF4-FFF2-40B4-BE49-F238E27FC236}">
-                <a16:creationId xmlns:a16="http://schemas.microsoft.com/office/drawing/2014/main" id="{0581E3D2-9964-892B-70FB-106F976EBE9F}"/>
+                <a16:creationId xmlns:a16="http://schemas.microsoft.com/office/drawing/2014/main" id="{7CBDB10A-AD8F-3145-1B02-5AEC222807C4}"/>
               </a:ext>
             </a:extLst>
           </p:cNvPr>
@@ -1380,7 +1380,7 @@
           <p:cNvPr id="5" name="日期占位符 4">
             <a:extLst>
               <a:ext uri="{FF2B5EF4-FFF2-40B4-BE49-F238E27FC236}">
-                <a16:creationId xmlns:a16="http://schemas.microsoft.com/office/drawing/2014/main" id="{63A95965-E865-1B61-B4F5-FCC1CB875384}"/>
+                <a16:creationId xmlns:a16="http://schemas.microsoft.com/office/drawing/2014/main" id="{4248DFA8-039F-6135-A298-75ABB87ABFB4}"/>
               </a:ext>
             </a:extLst>
           </p:cNvPr>
@@ -1396,7 +1396,7 @@
           <a:bodyPr/>
           <a:lstStyle/>
           <a:p>
-            <a:fld id="{B5B77BF2-6E62-46DB-98C7-2932EBD1B612}" type="datetimeFigureOut">
+            <a:fld id="{DC325390-8F35-40E1-B127-E124FED6A90F}" type="datetimeFigureOut">
               <a:rPr lang="zh-CN" altLang="en-US" smtClean="0"/>
               <a:t>2024/3/10</a:t>
             </a:fld>
@@ -1409,7 +1409,7 @@
           <p:cNvPr id="6" name="页脚占位符 5">
             <a:extLst>
               <a:ext uri="{FF2B5EF4-FFF2-40B4-BE49-F238E27FC236}">
-                <a16:creationId xmlns:a16="http://schemas.microsoft.com/office/drawing/2014/main" id="{38005730-C646-22EC-7933-BE74C881E042}"/>
+                <a16:creationId xmlns:a16="http://schemas.microsoft.com/office/drawing/2014/main" id="{F4F4A792-5995-83E2-A6D7-78217A0F98C7}"/>
               </a:ext>
             </a:extLst>
           </p:cNvPr>
@@ -1434,7 +1434,7 @@
           <p:cNvPr id="7" name="灯片编号占位符 6">
             <a:extLst>
               <a:ext uri="{FF2B5EF4-FFF2-40B4-BE49-F238E27FC236}">
-                <a16:creationId xmlns:a16="http://schemas.microsoft.com/office/drawing/2014/main" id="{40D772BB-FC2B-CA66-481C-DA90393CC914}"/>
+                <a16:creationId xmlns:a16="http://schemas.microsoft.com/office/drawing/2014/main" id="{D7A28CAF-5F27-1419-7DD6-E93DC645E5A4}"/>
               </a:ext>
             </a:extLst>
           </p:cNvPr>
@@ -1450,7 +1450,7 @@
           <a:bodyPr/>
           <a:lstStyle/>
           <a:p>
-            <a:fld id="{C6E3780A-7A8B-4F0A-94DE-683BCA1FC064}" type="slidenum">
+            <a:fld id="{26D9F796-C4F7-47B8-B14F-B895A2F740FF}" type="slidenum">
               <a:rPr lang="zh-CN" altLang="en-US" smtClean="0"/>
               <a:t>‹#›</a:t>
             </a:fld>
@@ -1461,7 +1461,7 @@
     </p:spTree>
     <p:extLst>
       <p:ext uri="{BB962C8B-B14F-4D97-AF65-F5344CB8AC3E}">
-        <p14:creationId xmlns:p14="http://schemas.microsoft.com/office/powerpoint/2010/main" val="1727926864"/>
+        <p14:creationId xmlns:p14="http://schemas.microsoft.com/office/powerpoint/2010/main" val="135588570"/>
       </p:ext>
     </p:extLst>
   </p:cSld>
@@ -1493,7 +1493,7 @@
           <p:cNvPr id="2" name="标题 1">
             <a:extLst>
               <a:ext uri="{FF2B5EF4-FFF2-40B4-BE49-F238E27FC236}">
-                <a16:creationId xmlns:a16="http://schemas.microsoft.com/office/drawing/2014/main" id="{5F364B1D-D350-C799-CA4D-0C847410A04E}"/>
+                <a16:creationId xmlns:a16="http://schemas.microsoft.com/office/drawing/2014/main" id="{5B5876CB-6608-F6BA-CA3C-9483326CE5BA}"/>
               </a:ext>
             </a:extLst>
           </p:cNvPr>
@@ -1526,7 +1526,7 @@
           <p:cNvPr id="3" name="文本占位符 2">
             <a:extLst>
               <a:ext uri="{FF2B5EF4-FFF2-40B4-BE49-F238E27FC236}">
-                <a16:creationId xmlns:a16="http://schemas.microsoft.com/office/drawing/2014/main" id="{B35636A9-E009-15A2-595A-8A87B901B6A1}"/>
+                <a16:creationId xmlns:a16="http://schemas.microsoft.com/office/drawing/2014/main" id="{E02A55DC-8D5A-E954-7B6C-C582C725E994}"/>
               </a:ext>
             </a:extLst>
           </p:cNvPr>
@@ -1597,7 +1597,7 @@
           <p:cNvPr id="4" name="内容占位符 3">
             <a:extLst>
               <a:ext uri="{FF2B5EF4-FFF2-40B4-BE49-F238E27FC236}">
-                <a16:creationId xmlns:a16="http://schemas.microsoft.com/office/drawing/2014/main" id="{1996DE97-00EA-E212-3CAE-AF2EEFE36115}"/>
+                <a16:creationId xmlns:a16="http://schemas.microsoft.com/office/drawing/2014/main" id="{182295FA-4C84-F51E-136C-C1615BDBDEA9}"/>
               </a:ext>
             </a:extLst>
           </p:cNvPr>
@@ -1659,7 +1659,7 @@
           <p:cNvPr id="5" name="文本占位符 4">
             <a:extLst>
               <a:ext uri="{FF2B5EF4-FFF2-40B4-BE49-F238E27FC236}">
-                <a16:creationId xmlns:a16="http://schemas.microsoft.com/office/drawing/2014/main" id="{13B5435F-A6A7-ABEA-94C6-835936375774}"/>
+                <a16:creationId xmlns:a16="http://schemas.microsoft.com/office/drawing/2014/main" id="{B5A02A9A-CA9B-403E-B171-154969E9B39B}"/>
               </a:ext>
             </a:extLst>
           </p:cNvPr>
@@ -1730,7 +1730,7 @@
           <p:cNvPr id="6" name="内容占位符 5">
             <a:extLst>
               <a:ext uri="{FF2B5EF4-FFF2-40B4-BE49-F238E27FC236}">
-                <a16:creationId xmlns:a16="http://schemas.microsoft.com/office/drawing/2014/main" id="{FE5C206A-D7C3-4B77-9789-7C8219B569FC}"/>
+                <a16:creationId xmlns:a16="http://schemas.microsoft.com/office/drawing/2014/main" id="{321EE162-4CB4-8623-5DB9-9BB0453ABA2A}"/>
               </a:ext>
             </a:extLst>
           </p:cNvPr>
@@ -1792,7 +1792,7 @@
           <p:cNvPr id="7" name="日期占位符 6">
             <a:extLst>
               <a:ext uri="{FF2B5EF4-FFF2-40B4-BE49-F238E27FC236}">
-                <a16:creationId xmlns:a16="http://schemas.microsoft.com/office/drawing/2014/main" id="{E1585BAD-B856-05CF-B1A3-954124031DEC}"/>
+                <a16:creationId xmlns:a16="http://schemas.microsoft.com/office/drawing/2014/main" id="{5CED606D-F0FC-B79B-A744-3385CC13CC90}"/>
               </a:ext>
             </a:extLst>
           </p:cNvPr>
@@ -1808,7 +1808,7 @@
           <a:bodyPr/>
           <a:lstStyle/>
           <a:p>
-            <a:fld id="{B5B77BF2-6E62-46DB-98C7-2932EBD1B612}" type="datetimeFigureOut">
+            <a:fld id="{DC325390-8F35-40E1-B127-E124FED6A90F}" type="datetimeFigureOut">
               <a:rPr lang="zh-CN" altLang="en-US" smtClean="0"/>
               <a:t>2024/3/10</a:t>
             </a:fld>
@@ -1821,7 +1821,7 @@
           <p:cNvPr id="8" name="页脚占位符 7">
             <a:extLst>
               <a:ext uri="{FF2B5EF4-FFF2-40B4-BE49-F238E27FC236}">
-                <a16:creationId xmlns:a16="http://schemas.microsoft.com/office/drawing/2014/main" id="{AAC80865-A444-6DCB-4211-A06271FBFDD7}"/>
+                <a16:creationId xmlns:a16="http://schemas.microsoft.com/office/drawing/2014/main" id="{7ED73C3F-1D13-F7EB-C3F8-89262CC1CD28}"/>
               </a:ext>
             </a:extLst>
           </p:cNvPr>
@@ -1846,7 +1846,7 @@
           <p:cNvPr id="9" name="灯片编号占位符 8">
             <a:extLst>
               <a:ext uri="{FF2B5EF4-FFF2-40B4-BE49-F238E27FC236}">
-                <a16:creationId xmlns:a16="http://schemas.microsoft.com/office/drawing/2014/main" id="{FAAC0DFD-5E83-B74F-4382-50D673FB9FAF}"/>
+                <a16:creationId xmlns:a16="http://schemas.microsoft.com/office/drawing/2014/main" id="{199C0C6B-884F-5296-CE78-0BEE4CC17C72}"/>
               </a:ext>
             </a:extLst>
           </p:cNvPr>
@@ -1862,7 +1862,7 @@
           <a:bodyPr/>
           <a:lstStyle/>
           <a:p>
-            <a:fld id="{C6E3780A-7A8B-4F0A-94DE-683BCA1FC064}" type="slidenum">
+            <a:fld id="{26D9F796-C4F7-47B8-B14F-B895A2F740FF}" type="slidenum">
               <a:rPr lang="zh-CN" altLang="en-US" smtClean="0"/>
               <a:t>‹#›</a:t>
             </a:fld>
@@ -1873,7 +1873,7 @@
     </p:spTree>
     <p:extLst>
       <p:ext uri="{BB962C8B-B14F-4D97-AF65-F5344CB8AC3E}">
-        <p14:creationId xmlns:p14="http://schemas.microsoft.com/office/powerpoint/2010/main" val="3968367198"/>
+        <p14:creationId xmlns:p14="http://schemas.microsoft.com/office/powerpoint/2010/main" val="4237730293"/>
       </p:ext>
     </p:extLst>
   </p:cSld>
@@ -1905,7 +1905,7 @@
           <p:cNvPr id="2" name="标题 1">
             <a:extLst>
               <a:ext uri="{FF2B5EF4-FFF2-40B4-BE49-F238E27FC236}">
-                <a16:creationId xmlns:a16="http://schemas.microsoft.com/office/drawing/2014/main" id="{7E5C9B8E-540D-CA53-B42E-311AB52E33DC}"/>
+                <a16:creationId xmlns:a16="http://schemas.microsoft.com/office/drawing/2014/main" id="{B79DE1B6-781D-A46F-3252-E510BFE2AEA7}"/>
               </a:ext>
             </a:extLst>
           </p:cNvPr>
@@ -1933,7 +1933,7 @@
           <p:cNvPr id="3" name="日期占位符 2">
             <a:extLst>
               <a:ext uri="{FF2B5EF4-FFF2-40B4-BE49-F238E27FC236}">
-                <a16:creationId xmlns:a16="http://schemas.microsoft.com/office/drawing/2014/main" id="{619A3278-C715-0978-67F6-ACD67F78EAEF}"/>
+                <a16:creationId xmlns:a16="http://schemas.microsoft.com/office/drawing/2014/main" id="{B20EE1EE-FE9B-FEEF-9249-D4B727A6A6B2}"/>
               </a:ext>
             </a:extLst>
           </p:cNvPr>
@@ -1949,7 +1949,7 @@
           <a:bodyPr/>
           <a:lstStyle/>
           <a:p>
-            <a:fld id="{B5B77BF2-6E62-46DB-98C7-2932EBD1B612}" type="datetimeFigureOut">
+            <a:fld id="{DC325390-8F35-40E1-B127-E124FED6A90F}" type="datetimeFigureOut">
               <a:rPr lang="zh-CN" altLang="en-US" smtClean="0"/>
               <a:t>2024/3/10</a:t>
             </a:fld>
@@ -1962,7 +1962,7 @@
           <p:cNvPr id="4" name="页脚占位符 3">
             <a:extLst>
               <a:ext uri="{FF2B5EF4-FFF2-40B4-BE49-F238E27FC236}">
-                <a16:creationId xmlns:a16="http://schemas.microsoft.com/office/drawing/2014/main" id="{81323941-E51B-45BA-405C-DF8322655757}"/>
+                <a16:creationId xmlns:a16="http://schemas.microsoft.com/office/drawing/2014/main" id="{97ED437B-A206-47C3-B6E6-DC4B98ED150F}"/>
               </a:ext>
             </a:extLst>
           </p:cNvPr>
@@ -1987,7 +1987,7 @@
           <p:cNvPr id="5" name="灯片编号占位符 4">
             <a:extLst>
               <a:ext uri="{FF2B5EF4-FFF2-40B4-BE49-F238E27FC236}">
-                <a16:creationId xmlns:a16="http://schemas.microsoft.com/office/drawing/2014/main" id="{B27AD848-C519-A225-6859-E6D2BD3A33D6}"/>
+                <a16:creationId xmlns:a16="http://schemas.microsoft.com/office/drawing/2014/main" id="{DFD43669-79F9-CBCA-524E-F519EA8B4E87}"/>
               </a:ext>
             </a:extLst>
           </p:cNvPr>
@@ -2003,7 +2003,7 @@
           <a:bodyPr/>
           <a:lstStyle/>
           <a:p>
-            <a:fld id="{C6E3780A-7A8B-4F0A-94DE-683BCA1FC064}" type="slidenum">
+            <a:fld id="{26D9F796-C4F7-47B8-B14F-B895A2F740FF}" type="slidenum">
               <a:rPr lang="zh-CN" altLang="en-US" smtClean="0"/>
               <a:t>‹#›</a:t>
             </a:fld>
@@ -2014,7 +2014,7 @@
     </p:spTree>
     <p:extLst>
       <p:ext uri="{BB962C8B-B14F-4D97-AF65-F5344CB8AC3E}">
-        <p14:creationId xmlns:p14="http://schemas.microsoft.com/office/powerpoint/2010/main" val="3701173069"/>
+        <p14:creationId xmlns:p14="http://schemas.microsoft.com/office/powerpoint/2010/main" val="2594348921"/>
       </p:ext>
     </p:extLst>
   </p:cSld>
@@ -2046,7 +2046,7 @@
           <p:cNvPr id="2" name="日期占位符 1">
             <a:extLst>
               <a:ext uri="{FF2B5EF4-FFF2-40B4-BE49-F238E27FC236}">
-                <a16:creationId xmlns:a16="http://schemas.microsoft.com/office/drawing/2014/main" id="{7B75D47A-6A9D-F7E7-39D7-8F81C46161A4}"/>
+                <a16:creationId xmlns:a16="http://schemas.microsoft.com/office/drawing/2014/main" id="{27D85A7E-422A-7FD1-970C-DA61D2270553}"/>
               </a:ext>
             </a:extLst>
           </p:cNvPr>
@@ -2062,7 +2062,7 @@
           <a:bodyPr/>
           <a:lstStyle/>
           <a:p>
-            <a:fld id="{B5B77BF2-6E62-46DB-98C7-2932EBD1B612}" type="datetimeFigureOut">
+            <a:fld id="{DC325390-8F35-40E1-B127-E124FED6A90F}" type="datetimeFigureOut">
               <a:rPr lang="zh-CN" altLang="en-US" smtClean="0"/>
               <a:t>2024/3/10</a:t>
             </a:fld>
@@ -2075,7 +2075,7 @@
           <p:cNvPr id="3" name="页脚占位符 2">
             <a:extLst>
               <a:ext uri="{FF2B5EF4-FFF2-40B4-BE49-F238E27FC236}">
-                <a16:creationId xmlns:a16="http://schemas.microsoft.com/office/drawing/2014/main" id="{C0652762-4EAF-7F0A-A0A3-7486FC00E257}"/>
+                <a16:creationId xmlns:a16="http://schemas.microsoft.com/office/drawing/2014/main" id="{AA317734-D886-266F-2398-404E8A8EA8FC}"/>
               </a:ext>
             </a:extLst>
           </p:cNvPr>
@@ -2100,7 +2100,7 @@
           <p:cNvPr id="4" name="灯片编号占位符 3">
             <a:extLst>
               <a:ext uri="{FF2B5EF4-FFF2-40B4-BE49-F238E27FC236}">
-                <a16:creationId xmlns:a16="http://schemas.microsoft.com/office/drawing/2014/main" id="{CDF2D1FD-8419-1E3D-CF61-3BE2C8B8869E}"/>
+                <a16:creationId xmlns:a16="http://schemas.microsoft.com/office/drawing/2014/main" id="{5FAEC16C-8151-6514-722A-6AA0AF6E5DA5}"/>
               </a:ext>
             </a:extLst>
           </p:cNvPr>
@@ -2116,7 +2116,7 @@
           <a:bodyPr/>
           <a:lstStyle/>
           <a:p>
-            <a:fld id="{C6E3780A-7A8B-4F0A-94DE-683BCA1FC064}" type="slidenum">
+            <a:fld id="{26D9F796-C4F7-47B8-B14F-B895A2F740FF}" type="slidenum">
               <a:rPr lang="zh-CN" altLang="en-US" smtClean="0"/>
               <a:t>‹#›</a:t>
             </a:fld>
@@ -2127,7 +2127,7 @@
     </p:spTree>
     <p:extLst>
       <p:ext uri="{BB962C8B-B14F-4D97-AF65-F5344CB8AC3E}">
-        <p14:creationId xmlns:p14="http://schemas.microsoft.com/office/powerpoint/2010/main" val="1947820783"/>
+        <p14:creationId xmlns:p14="http://schemas.microsoft.com/office/powerpoint/2010/main" val="3200396880"/>
       </p:ext>
     </p:extLst>
   </p:cSld>
@@ -2159,7 +2159,7 @@
           <p:cNvPr id="2" name="标题 1">
             <a:extLst>
               <a:ext uri="{FF2B5EF4-FFF2-40B4-BE49-F238E27FC236}">
-                <a16:creationId xmlns:a16="http://schemas.microsoft.com/office/drawing/2014/main" id="{AE61853F-C97A-EDDC-4C3D-993CA4B97742}"/>
+                <a16:creationId xmlns:a16="http://schemas.microsoft.com/office/drawing/2014/main" id="{475807C2-BC97-3AEC-571F-619559B60BD0}"/>
               </a:ext>
             </a:extLst>
           </p:cNvPr>
@@ -2196,7 +2196,7 @@
           <p:cNvPr id="3" name="内容占位符 2">
             <a:extLst>
               <a:ext uri="{FF2B5EF4-FFF2-40B4-BE49-F238E27FC236}">
-                <a16:creationId xmlns:a16="http://schemas.microsoft.com/office/drawing/2014/main" id="{AFED073C-2C1C-9C9A-B38D-7935AAF74E58}"/>
+                <a16:creationId xmlns:a16="http://schemas.microsoft.com/office/drawing/2014/main" id="{5C281702-4BF3-13F9-8517-7E5F678C1B02}"/>
               </a:ext>
             </a:extLst>
           </p:cNvPr>
@@ -2286,7 +2286,7 @@
           <p:cNvPr id="4" name="文本占位符 3">
             <a:extLst>
               <a:ext uri="{FF2B5EF4-FFF2-40B4-BE49-F238E27FC236}">
-                <a16:creationId xmlns:a16="http://schemas.microsoft.com/office/drawing/2014/main" id="{BB6B9637-CCBC-589A-33F2-7A6989157DE7}"/>
+                <a16:creationId xmlns:a16="http://schemas.microsoft.com/office/drawing/2014/main" id="{D4123B27-D8C0-D4F2-A9E8-A3CA49905F0D}"/>
               </a:ext>
             </a:extLst>
           </p:cNvPr>
@@ -2357,7 +2357,7 @@
           <p:cNvPr id="5" name="日期占位符 4">
             <a:extLst>
               <a:ext uri="{FF2B5EF4-FFF2-40B4-BE49-F238E27FC236}">
-                <a16:creationId xmlns:a16="http://schemas.microsoft.com/office/drawing/2014/main" id="{82811988-D5FD-0DBD-DA8A-251A8FB2AA51}"/>
+                <a16:creationId xmlns:a16="http://schemas.microsoft.com/office/drawing/2014/main" id="{37580EE3-19C9-9050-B70E-2BF1EB7A2D5C}"/>
               </a:ext>
             </a:extLst>
           </p:cNvPr>
@@ -2373,7 +2373,7 @@
           <a:bodyPr/>
           <a:lstStyle/>
           <a:p>
-            <a:fld id="{B5B77BF2-6E62-46DB-98C7-2932EBD1B612}" type="datetimeFigureOut">
+            <a:fld id="{DC325390-8F35-40E1-B127-E124FED6A90F}" type="datetimeFigureOut">
               <a:rPr lang="zh-CN" altLang="en-US" smtClean="0"/>
               <a:t>2024/3/10</a:t>
             </a:fld>
@@ -2386,7 +2386,7 @@
           <p:cNvPr id="6" name="页脚占位符 5">
             <a:extLst>
               <a:ext uri="{FF2B5EF4-FFF2-40B4-BE49-F238E27FC236}">
-                <a16:creationId xmlns:a16="http://schemas.microsoft.com/office/drawing/2014/main" id="{7AA68965-D30B-1E4C-5521-981E3C17088E}"/>
+                <a16:creationId xmlns:a16="http://schemas.microsoft.com/office/drawing/2014/main" id="{2E06FAD6-2EE5-8C58-6D1E-B412BE917BAD}"/>
               </a:ext>
             </a:extLst>
           </p:cNvPr>
@@ -2411,7 +2411,7 @@
           <p:cNvPr id="7" name="灯片编号占位符 6">
             <a:extLst>
               <a:ext uri="{FF2B5EF4-FFF2-40B4-BE49-F238E27FC236}">
-                <a16:creationId xmlns:a16="http://schemas.microsoft.com/office/drawing/2014/main" id="{9EED5CF6-D1CC-E597-731E-CCEFF7FF0540}"/>
+                <a16:creationId xmlns:a16="http://schemas.microsoft.com/office/drawing/2014/main" id="{7D7A50A8-BC7C-232C-6E57-E0B99F51E864}"/>
               </a:ext>
             </a:extLst>
           </p:cNvPr>
@@ -2427,7 +2427,7 @@
           <a:bodyPr/>
           <a:lstStyle/>
           <a:p>
-            <a:fld id="{C6E3780A-7A8B-4F0A-94DE-683BCA1FC064}" type="slidenum">
+            <a:fld id="{26D9F796-C4F7-47B8-B14F-B895A2F740FF}" type="slidenum">
               <a:rPr lang="zh-CN" altLang="en-US" smtClean="0"/>
               <a:t>‹#›</a:t>
             </a:fld>
@@ -2438,7 +2438,7 @@
     </p:spTree>
     <p:extLst>
       <p:ext uri="{BB962C8B-B14F-4D97-AF65-F5344CB8AC3E}">
-        <p14:creationId xmlns:p14="http://schemas.microsoft.com/office/powerpoint/2010/main" val="2084117120"/>
+        <p14:creationId xmlns:p14="http://schemas.microsoft.com/office/powerpoint/2010/main" val="4219489705"/>
       </p:ext>
     </p:extLst>
   </p:cSld>
@@ -2470,7 +2470,7 @@
           <p:cNvPr id="2" name="标题 1">
             <a:extLst>
               <a:ext uri="{FF2B5EF4-FFF2-40B4-BE49-F238E27FC236}">
-                <a16:creationId xmlns:a16="http://schemas.microsoft.com/office/drawing/2014/main" id="{DB0A34EF-D3B1-23C7-4291-81057EC32744}"/>
+                <a16:creationId xmlns:a16="http://schemas.microsoft.com/office/drawing/2014/main" id="{97CE2784-367D-1805-2916-69428D4C6C7D}"/>
               </a:ext>
             </a:extLst>
           </p:cNvPr>
@@ -2507,7 +2507,7 @@
           <p:cNvPr id="3" name="图片占位符 2">
             <a:extLst>
               <a:ext uri="{FF2B5EF4-FFF2-40B4-BE49-F238E27FC236}">
-                <a16:creationId xmlns:a16="http://schemas.microsoft.com/office/drawing/2014/main" id="{1F8214D2-3D18-B75B-0F1F-AA9F39AB8567}"/>
+                <a16:creationId xmlns:a16="http://schemas.microsoft.com/office/drawing/2014/main" id="{492C0D96-BD7B-A80A-967F-E3CD39A22303}"/>
               </a:ext>
             </a:extLst>
           </p:cNvPr>
@@ -2574,7 +2574,7 @@
           <p:cNvPr id="4" name="文本占位符 3">
             <a:extLst>
               <a:ext uri="{FF2B5EF4-FFF2-40B4-BE49-F238E27FC236}">
-                <a16:creationId xmlns:a16="http://schemas.microsoft.com/office/drawing/2014/main" id="{C375027D-BFA9-DF83-E829-82569517590A}"/>
+                <a16:creationId xmlns:a16="http://schemas.microsoft.com/office/drawing/2014/main" id="{D855985D-9BB8-D785-073E-126C264DFEEA}"/>
               </a:ext>
             </a:extLst>
           </p:cNvPr>
@@ -2645,7 +2645,7 @@
           <p:cNvPr id="5" name="日期占位符 4">
             <a:extLst>
               <a:ext uri="{FF2B5EF4-FFF2-40B4-BE49-F238E27FC236}">
-                <a16:creationId xmlns:a16="http://schemas.microsoft.com/office/drawing/2014/main" id="{3EE5BF93-77AB-548A-BF9D-E78E8D4D2558}"/>
+                <a16:creationId xmlns:a16="http://schemas.microsoft.com/office/drawing/2014/main" id="{1EC1C259-E3DB-838B-BC8C-598AA1B78143}"/>
               </a:ext>
             </a:extLst>
           </p:cNvPr>
@@ -2661,7 +2661,7 @@
           <a:bodyPr/>
           <a:lstStyle/>
           <a:p>
-            <a:fld id="{B5B77BF2-6E62-46DB-98C7-2932EBD1B612}" type="datetimeFigureOut">
+            <a:fld id="{DC325390-8F35-40E1-B127-E124FED6A90F}" type="datetimeFigureOut">
               <a:rPr lang="zh-CN" altLang="en-US" smtClean="0"/>
               <a:t>2024/3/10</a:t>
             </a:fld>
@@ -2674,7 +2674,7 @@
           <p:cNvPr id="6" name="页脚占位符 5">
             <a:extLst>
               <a:ext uri="{FF2B5EF4-FFF2-40B4-BE49-F238E27FC236}">
-                <a16:creationId xmlns:a16="http://schemas.microsoft.com/office/drawing/2014/main" id="{0084E0DD-92B9-2CE4-5A2B-52FB2104FD5E}"/>
+                <a16:creationId xmlns:a16="http://schemas.microsoft.com/office/drawing/2014/main" id="{F3927398-4C5A-9123-98E0-F9159BF32D62}"/>
               </a:ext>
             </a:extLst>
           </p:cNvPr>
@@ -2699,7 +2699,7 @@
           <p:cNvPr id="7" name="灯片编号占位符 6">
             <a:extLst>
               <a:ext uri="{FF2B5EF4-FFF2-40B4-BE49-F238E27FC236}">
-                <a16:creationId xmlns:a16="http://schemas.microsoft.com/office/drawing/2014/main" id="{2C0C8A80-1D07-AEBA-98F8-25D1F108F238}"/>
+                <a16:creationId xmlns:a16="http://schemas.microsoft.com/office/drawing/2014/main" id="{AFC294BF-7B7A-801B-4F44-CC97FC129544}"/>
               </a:ext>
             </a:extLst>
           </p:cNvPr>
@@ -2715,7 +2715,7 @@
           <a:bodyPr/>
           <a:lstStyle/>
           <a:p>
-            <a:fld id="{C6E3780A-7A8B-4F0A-94DE-683BCA1FC064}" type="slidenum">
+            <a:fld id="{26D9F796-C4F7-47B8-B14F-B895A2F740FF}" type="slidenum">
               <a:rPr lang="zh-CN" altLang="en-US" smtClean="0"/>
               <a:t>‹#›</a:t>
             </a:fld>
@@ -2726,7 +2726,7 @@
     </p:spTree>
     <p:extLst>
       <p:ext uri="{BB962C8B-B14F-4D97-AF65-F5344CB8AC3E}">
-        <p14:creationId xmlns:p14="http://schemas.microsoft.com/office/powerpoint/2010/main" val="2518902302"/>
+        <p14:creationId xmlns:p14="http://schemas.microsoft.com/office/powerpoint/2010/main" val="2921281453"/>
       </p:ext>
     </p:extLst>
   </p:cSld>
@@ -2763,7 +2763,7 @@
           <p:cNvPr id="2" name="标题占位符 1">
             <a:extLst>
               <a:ext uri="{FF2B5EF4-FFF2-40B4-BE49-F238E27FC236}">
-                <a16:creationId xmlns:a16="http://schemas.microsoft.com/office/drawing/2014/main" id="{8390DE45-269A-2FAC-1BF6-90C199B4532E}"/>
+                <a16:creationId xmlns:a16="http://schemas.microsoft.com/office/drawing/2014/main" id="{9FE0A341-3426-3AD0-A1FF-ACBE791F37EB}"/>
               </a:ext>
             </a:extLst>
           </p:cNvPr>
@@ -2801,7 +2801,7 @@
           <p:cNvPr id="3" name="文本占位符 2">
             <a:extLst>
               <a:ext uri="{FF2B5EF4-FFF2-40B4-BE49-F238E27FC236}">
-                <a16:creationId xmlns:a16="http://schemas.microsoft.com/office/drawing/2014/main" id="{AABA75D5-0FE7-3D08-848A-AD334DD348BE}"/>
+                <a16:creationId xmlns:a16="http://schemas.microsoft.com/office/drawing/2014/main" id="{AB5D2D01-28B2-BE4A-F4AB-F71D89D08B66}"/>
               </a:ext>
             </a:extLst>
           </p:cNvPr>
@@ -2868,7 +2868,7 @@
           <p:cNvPr id="4" name="日期占位符 3">
             <a:extLst>
               <a:ext uri="{FF2B5EF4-FFF2-40B4-BE49-F238E27FC236}">
-                <a16:creationId xmlns:a16="http://schemas.microsoft.com/office/drawing/2014/main" id="{C4B68751-1BD9-5D7D-4267-A389C4FED21F}"/>
+                <a16:creationId xmlns:a16="http://schemas.microsoft.com/office/drawing/2014/main" id="{73AC311C-944E-1C92-45B9-8B0D6590FF86}"/>
               </a:ext>
             </a:extLst>
           </p:cNvPr>
@@ -2902,7 +2902,7 @@
             </a:lvl1pPr>
           </a:lstStyle>
           <a:p>
-            <a:fld id="{B5B77BF2-6E62-46DB-98C7-2932EBD1B612}" type="datetimeFigureOut">
+            <a:fld id="{DC325390-8F35-40E1-B127-E124FED6A90F}" type="datetimeFigureOut">
               <a:rPr lang="zh-CN" altLang="en-US" smtClean="0"/>
               <a:t>2024/3/10</a:t>
             </a:fld>
@@ -2915,7 +2915,7 @@
           <p:cNvPr id="5" name="页脚占位符 4">
             <a:extLst>
               <a:ext uri="{FF2B5EF4-FFF2-40B4-BE49-F238E27FC236}">
-                <a16:creationId xmlns:a16="http://schemas.microsoft.com/office/drawing/2014/main" id="{BD30398B-9861-32D3-B7AA-31863DDEC6AE}"/>
+                <a16:creationId xmlns:a16="http://schemas.microsoft.com/office/drawing/2014/main" id="{10B08F38-3BA7-5A52-4417-DE7E1D71F511}"/>
               </a:ext>
             </a:extLst>
           </p:cNvPr>
@@ -2958,7 +2958,7 @@
           <p:cNvPr id="6" name="灯片编号占位符 5">
             <a:extLst>
               <a:ext uri="{FF2B5EF4-FFF2-40B4-BE49-F238E27FC236}">
-                <a16:creationId xmlns:a16="http://schemas.microsoft.com/office/drawing/2014/main" id="{321B7584-B13D-CF0C-2C2A-3AD08A39B2D3}"/>
+                <a16:creationId xmlns:a16="http://schemas.microsoft.com/office/drawing/2014/main" id="{CA6049DC-4F8A-1250-6563-5039889A6469}"/>
               </a:ext>
             </a:extLst>
           </p:cNvPr>
@@ -2992,7 +2992,7 @@
             </a:lvl1pPr>
           </a:lstStyle>
           <a:p>
-            <a:fld id="{C6E3780A-7A8B-4F0A-94DE-683BCA1FC064}" type="slidenum">
+            <a:fld id="{26D9F796-C4F7-47B8-B14F-B895A2F740FF}" type="slidenum">
               <a:rPr lang="zh-CN" altLang="en-US" smtClean="0"/>
               <a:t>‹#›</a:t>
             </a:fld>
@@ -3003,7 +3003,7 @@
     </p:spTree>
     <p:extLst>
       <p:ext uri="{BB962C8B-B14F-4D97-AF65-F5344CB8AC3E}">
-        <p14:creationId xmlns:p14="http://schemas.microsoft.com/office/powerpoint/2010/main" val="3605582769"/>
+        <p14:creationId xmlns:p14="http://schemas.microsoft.com/office/powerpoint/2010/main" val="289790252"/>
       </p:ext>
     </p:extLst>
   </p:cSld>
@@ -3323,7 +3323,7 @@
       </p:grpSpPr>
       <p:pic>
         <p:nvPicPr>
-          <p:cNvPr id="483330" name="Picture 2" descr="471"/>
+          <p:cNvPr id="484354" name="Picture 2" descr="472"/>
           <p:cNvPicPr>
             <a:picLocks noChangeAspect="1" noChangeArrowheads="1"/>
           </p:cNvPicPr>
@@ -3344,7 +3344,7 @@
         </p:blipFill>
         <p:spPr bwMode="auto">
           <a:xfrm>
-            <a:off x="1524000" y="14288"/>
+            <a:off x="1524000" y="0"/>
             <a:ext cx="9144000" cy="6858000"/>
           </a:xfrm>
           <a:prstGeom prst="rect">
@@ -3377,7 +3377,7 @@
       </p:pic>
       <p:pic>
         <p:nvPicPr>
-          <p:cNvPr id="484355" name="Picture 3" descr="471-2"/>
+          <p:cNvPr id="485379" name="Picture 3" descr="472-2"/>
           <p:cNvPicPr>
             <a:picLocks noChangeAspect="1" noChangeArrowheads="1"/>
           </p:cNvPicPr>
@@ -3398,8 +3398,8 @@
         </p:blipFill>
         <p:spPr bwMode="auto">
           <a:xfrm>
-            <a:off x="1560513" y="0"/>
-            <a:ext cx="9144000" cy="6858000"/>
+            <a:off x="1524000" y="-11113"/>
+            <a:ext cx="9144000" cy="6842126"/>
           </a:xfrm>
           <a:prstGeom prst="rect">
             <a:avLst/>
@@ -3478,7 +3478,7 @@
                                           </p:stCondLst>
                                         </p:cTn>
                                         <p:tgtEl>
-                                          <p:spTgt spid="484355"/>
+                                          <p:spTgt spid="485379"/>
                                         </p:tgtEl>
                                         <p:attrNameLst>
                                           <p:attrName>style.visibility</p:attrName>
@@ -3492,7 +3492,7 @@
                                       <p:cBhvr>
                                         <p:cTn id="7" dur="500"/>
                                         <p:tgtEl>
-                                          <p:spTgt spid="484355"/>
+                                          <p:spTgt spid="485379"/>
                                         </p:tgtEl>
                                       </p:cBhvr>
                                     </p:animEffect>
